--- a/docs/APublish.pptx
+++ b/docs/APublish.pptx
@@ -6985,8 +6985,13 @@
           <a:p>
             <a:r>
               <a:rPr lang="en-US" dirty="0"/>
-              <a:t>translationStudio for the Desktop</a:t>
-            </a:r>
+              <a:t>translationStudio </a:t>
+            </a:r>
+            <a:r>
+              <a:rPr lang="en-US"/>
+              <a:t>for Android</a:t>
+            </a:r>
+            <a:endParaRPr lang="en-US" dirty="0"/>
           </a:p>
         </p:txBody>
       </p:sp>
